--- a/Хараман Презентация/Автоматизированная информационная система учета-работы учителя-логопеда психолого-медико-педагогической консультации.pptx
+++ b/Хараман Презентация/Автоматизированная информационная система учета-работы учителя-логопеда психолого-медико-педагогической консультации.pptx
@@ -114,6 +114,11 @@
       </a:defRPr>
     </a:lvl9pPr>
   </p:defaultTextStyle>
+  <p:extLst>
+    <p:ext uri="{EFAFB233-063F-42B5-8137-9DF3F51BA10A}">
+      <p15:sldGuideLst xmlns:p15="http://schemas.microsoft.com/office/powerpoint/2012/main"/>
+    </p:ext>
+  </p:extLst>
 </p:presentation>
 </file>
 
@@ -248,7 +253,7 @@
           <a:p>
             <a:fld id="{5CA4E579-22AE-48C8-B3A5-CE796154775B}" type="datetimeFigureOut">
               <a:rPr lang="ru-RU" smtClean="0"/>
-              <a:t>20.06.2016</a:t>
+              <a:t>22.06.2016</a:t>
             </a:fld>
             <a:endParaRPr lang="ru-RU"/>
           </a:p>
@@ -418,7 +423,7 @@
           <a:p>
             <a:fld id="{5CA4E579-22AE-48C8-B3A5-CE796154775B}" type="datetimeFigureOut">
               <a:rPr lang="ru-RU" smtClean="0"/>
-              <a:t>20.06.2016</a:t>
+              <a:t>22.06.2016</a:t>
             </a:fld>
             <a:endParaRPr lang="ru-RU"/>
           </a:p>
@@ -598,7 +603,7 @@
           <a:p>
             <a:fld id="{5CA4E579-22AE-48C8-B3A5-CE796154775B}" type="datetimeFigureOut">
               <a:rPr lang="ru-RU" smtClean="0"/>
-              <a:t>20.06.2016</a:t>
+              <a:t>22.06.2016</a:t>
             </a:fld>
             <a:endParaRPr lang="ru-RU"/>
           </a:p>
@@ -768,7 +773,7 @@
           <a:p>
             <a:fld id="{5CA4E579-22AE-48C8-B3A5-CE796154775B}" type="datetimeFigureOut">
               <a:rPr lang="ru-RU" smtClean="0"/>
-              <a:t>20.06.2016</a:t>
+              <a:t>22.06.2016</a:t>
             </a:fld>
             <a:endParaRPr lang="ru-RU"/>
           </a:p>
@@ -1014,7 +1019,7 @@
           <a:p>
             <a:fld id="{5CA4E579-22AE-48C8-B3A5-CE796154775B}" type="datetimeFigureOut">
               <a:rPr lang="ru-RU" smtClean="0"/>
-              <a:t>20.06.2016</a:t>
+              <a:t>22.06.2016</a:t>
             </a:fld>
             <a:endParaRPr lang="ru-RU"/>
           </a:p>
@@ -1246,7 +1251,7 @@
           <a:p>
             <a:fld id="{5CA4E579-22AE-48C8-B3A5-CE796154775B}" type="datetimeFigureOut">
               <a:rPr lang="ru-RU" smtClean="0"/>
-              <a:t>20.06.2016</a:t>
+              <a:t>22.06.2016</a:t>
             </a:fld>
             <a:endParaRPr lang="ru-RU"/>
           </a:p>
@@ -1613,7 +1618,7 @@
           <a:p>
             <a:fld id="{5CA4E579-22AE-48C8-B3A5-CE796154775B}" type="datetimeFigureOut">
               <a:rPr lang="ru-RU" smtClean="0"/>
-              <a:t>20.06.2016</a:t>
+              <a:t>22.06.2016</a:t>
             </a:fld>
             <a:endParaRPr lang="ru-RU"/>
           </a:p>
@@ -1731,7 +1736,7 @@
           <a:p>
             <a:fld id="{5CA4E579-22AE-48C8-B3A5-CE796154775B}" type="datetimeFigureOut">
               <a:rPr lang="ru-RU" smtClean="0"/>
-              <a:t>20.06.2016</a:t>
+              <a:t>22.06.2016</a:t>
             </a:fld>
             <a:endParaRPr lang="ru-RU"/>
           </a:p>
@@ -1826,7 +1831,7 @@
           <a:p>
             <a:fld id="{5CA4E579-22AE-48C8-B3A5-CE796154775B}" type="datetimeFigureOut">
               <a:rPr lang="ru-RU" smtClean="0"/>
-              <a:t>20.06.2016</a:t>
+              <a:t>22.06.2016</a:t>
             </a:fld>
             <a:endParaRPr lang="ru-RU"/>
           </a:p>
@@ -2103,7 +2108,7 @@
           <a:p>
             <a:fld id="{5CA4E579-22AE-48C8-B3A5-CE796154775B}" type="datetimeFigureOut">
               <a:rPr lang="ru-RU" smtClean="0"/>
-              <a:t>20.06.2016</a:t>
+              <a:t>22.06.2016</a:t>
             </a:fld>
             <a:endParaRPr lang="ru-RU"/>
           </a:p>
@@ -2356,7 +2361,7 @@
           <a:p>
             <a:fld id="{5CA4E579-22AE-48C8-B3A5-CE796154775B}" type="datetimeFigureOut">
               <a:rPr lang="ru-RU" smtClean="0"/>
-              <a:t>20.06.2016</a:t>
+              <a:t>22.06.2016</a:t>
             </a:fld>
             <a:endParaRPr lang="ru-RU"/>
           </a:p>
@@ -2569,7 +2574,7 @@
           <a:p>
             <a:fld id="{5CA4E579-22AE-48C8-B3A5-CE796154775B}" type="datetimeFigureOut">
               <a:rPr lang="ru-RU" smtClean="0"/>
-              <a:t>20.06.2016</a:t>
+              <a:t>22.06.2016</a:t>
             </a:fld>
             <a:endParaRPr lang="ru-RU"/>
           </a:p>
@@ -3077,6 +3082,30 @@
           </a:p>
         </p:txBody>
       </p:sp>
+      <p:pic>
+        <p:nvPicPr>
+          <p:cNvPr id="4" name="Рисунок 3"/>
+          <p:cNvPicPr>
+            <a:picLocks noChangeAspect="1"/>
+          </p:cNvPicPr>
+          <p:nvPr/>
+        </p:nvPicPr>
+        <p:blipFill>
+          <a:blip r:embed="rId2"/>
+          <a:stretch>
+            <a:fillRect/>
+          </a:stretch>
+        </p:blipFill>
+        <p:spPr>
+          <a:xfrm>
+            <a:off x="-1" y="0"/>
+            <a:ext cx="12309231" cy="6858000"/>
+          </a:xfrm>
+          <a:prstGeom prst="rect">
+            <a:avLst/>
+          </a:prstGeom>
+        </p:spPr>
+      </p:pic>
     </p:spTree>
     <p:extLst>
       <p:ext uri="{BB962C8B-B14F-4D97-AF65-F5344CB8AC3E}">
@@ -3150,6 +3179,30 @@
           </a:p>
         </p:txBody>
       </p:sp>
+      <p:pic>
+        <p:nvPicPr>
+          <p:cNvPr id="4" name="Рисунок 3"/>
+          <p:cNvPicPr>
+            <a:picLocks noChangeAspect="1"/>
+          </p:cNvPicPr>
+          <p:nvPr/>
+        </p:nvPicPr>
+        <p:blipFill>
+          <a:blip r:embed="rId2"/>
+          <a:stretch>
+            <a:fillRect/>
+          </a:stretch>
+        </p:blipFill>
+        <p:spPr>
+          <a:xfrm>
+            <a:off x="1356149" y="1825625"/>
+            <a:ext cx="9479701" cy="4351338"/>
+          </a:xfrm>
+          <a:prstGeom prst="rect">
+            <a:avLst/>
+          </a:prstGeom>
+        </p:spPr>
+      </p:pic>
     </p:spTree>
     <p:extLst>
       <p:ext uri="{BB962C8B-B14F-4D97-AF65-F5344CB8AC3E}">
@@ -3560,7 +3613,7 @@
         </p:nvSpPr>
         <p:spPr>
           <a:xfrm>
-            <a:off x="741219" y="806025"/>
+            <a:off x="818492" y="2196943"/>
             <a:ext cx="10626436" cy="3046988"/>
           </a:xfrm>
           <a:prstGeom prst="rect">
@@ -3757,7 +3810,12 @@
             <p:ph type="title"/>
           </p:nvPr>
         </p:nvSpPr>
-        <p:spPr/>
+        <p:spPr>
+          <a:xfrm>
+            <a:off x="838200" y="365125"/>
+            <a:ext cx="10515600" cy="909883"/>
+          </a:xfrm>
+        </p:spPr>
         <p:txBody>
           <a:bodyPr/>
           <a:lstStyle/>
@@ -3771,6 +3829,30 @@
           </a:p>
         </p:txBody>
       </p:sp>
+      <p:pic>
+        <p:nvPicPr>
+          <p:cNvPr id="3" name="Рисунок 2"/>
+          <p:cNvPicPr>
+            <a:picLocks noChangeAspect="1"/>
+          </p:cNvPicPr>
+          <p:nvPr/>
+        </p:nvPicPr>
+        <p:blipFill>
+          <a:blip r:embed="rId2"/>
+          <a:stretch>
+            <a:fillRect/>
+          </a:stretch>
+        </p:blipFill>
+        <p:spPr>
+          <a:xfrm>
+            <a:off x="0" y="0"/>
+            <a:ext cx="12220575" cy="6858000"/>
+          </a:xfrm>
+          <a:prstGeom prst="rect">
+            <a:avLst/>
+          </a:prstGeom>
+        </p:spPr>
+      </p:pic>
     </p:spTree>
     <p:extLst>
       <p:ext uri="{BB962C8B-B14F-4D97-AF65-F5344CB8AC3E}">
@@ -3933,6 +4015,30 @@
           </a:p>
         </p:txBody>
       </p:sp>
+      <p:pic>
+        <p:nvPicPr>
+          <p:cNvPr id="4" name="Рисунок 3"/>
+          <p:cNvPicPr>
+            <a:picLocks noChangeAspect="1"/>
+          </p:cNvPicPr>
+          <p:nvPr/>
+        </p:nvPicPr>
+        <p:blipFill>
+          <a:blip r:embed="rId2"/>
+          <a:stretch>
+            <a:fillRect/>
+          </a:stretch>
+        </p:blipFill>
+        <p:spPr>
+          <a:xfrm>
+            <a:off x="283336" y="0"/>
+            <a:ext cx="11565228" cy="6872092"/>
+          </a:xfrm>
+          <a:prstGeom prst="rect">
+            <a:avLst/>
+          </a:prstGeom>
+        </p:spPr>
+      </p:pic>
     </p:spTree>
     <p:extLst>
       <p:ext uri="{BB962C8B-B14F-4D97-AF65-F5344CB8AC3E}">
